--- a/packaging.pptx
+++ b/packaging.pptx
@@ -322,7 +322,7 @@
           <a:p>
             <a:fld id="{0B842F42-2CE9-4E35-95C1-410DC08A50B1}" type="datetimeFigureOut">
               <a:rPr lang="en-US" smtClean="0"/>
-              <a:t>7/28/2023</a:t>
+              <a:t>9/25/23</a:t>
             </a:fld>
             <a:endParaRPr lang="en-US"/>
           </a:p>
@@ -487,7 +487,7 @@
           <a:p>
             <a:fld id="{6F282904-F315-4730-8D91-37D99E141A6F}" type="datetimeFigureOut">
               <a:rPr lang="en-US" smtClean="0"/>
-              <a:t>7/28/2023</a:t>
+              <a:t>9/25/23</a:t>
             </a:fld>
             <a:endParaRPr lang="en-US"/>
           </a:p>
@@ -6518,7 +6518,7 @@
           <a:p>
             <a:r>
               <a:rPr lang="en-US" u="sng" dirty="0"/>
-              <a:t>David E. Bernholdt</a:t>
+              <a:t>David M. Rogers</a:t>
             </a:r>
             <a:r>
               <a:rPr lang="en-US" dirty="0"/>
@@ -6545,7 +6545,7 @@
             </a:pPr>
             <a:r>
               <a:rPr lang="en-US" sz="2000" dirty="0"/>
-              <a:t>Better Scientific Software tutorial @ NOAA Global Systems Laboratory</a:t>
+              <a:t>Better Scientific Software tutorial @ ORNL OSDX</a:t>
             </a:r>
           </a:p>
           <a:p>
@@ -50152,21 +50152,6 @@
 </file>
 
 <file path=customXml/item1.xml><?xml version="1.0" encoding="utf-8"?>
-<p:properties xmlns:p="http://schemas.microsoft.com/office/2006/metadata/properties" xmlns:xsi="http://www.w3.org/2001/XMLSchema-instance" xmlns:pc="http://schemas.microsoft.com/office/infopath/2007/PartnerControls">
-  <documentManagement/>
-</p:properties>
-</file>
-
-<file path=customXml/item2.xml><?xml version="1.0" encoding="utf-8"?>
-<?mso-contentType ?>
-<FormTemplates xmlns="http://schemas.microsoft.com/sharepoint/v3/contenttype/forms">
-  <Display>DocumentLibraryForm</Display>
-  <Edit>DocumentLibraryForm</Edit>
-  <New>DocumentLibraryForm</New>
-</FormTemplates>
-</file>
-
-<file path=customXml/item3.xml><?xml version="1.0" encoding="utf-8"?>
 <ct:contentTypeSchema xmlns:ct="http://schemas.microsoft.com/office/2006/metadata/contentType" xmlns:ma="http://schemas.microsoft.com/office/2006/metadata/properties/metaAttributes" ct:_="" ma:_="" ma:contentTypeName="Document" ma:contentTypeID="0x010100565464437F680748A68B85EB6594EA7D" ma:contentTypeVersion="0" ma:contentTypeDescription="Create a new document." ma:contentTypeScope="" ma:versionID="fe3f4dd58d5914c51cfc6deaa8ad845c">
   <xsd:schema xmlns:xsd="http://www.w3.org/2001/XMLSchema" xmlns:p="http://schemas.microsoft.com/office/2006/metadata/properties" targetNamespace="http://schemas.microsoft.com/office/2006/metadata/properties" ma:root="true" ma:fieldsID="4aeb20c0e3442673af7ee10786458764">
     <xsd:element name="properties">
@@ -50215,7 +50200,37 @@
 </ct:contentTypeSchema>
 </file>
 
+<file path=customXml/item2.xml><?xml version="1.0" encoding="utf-8"?>
+<p:properties xmlns:p="http://schemas.microsoft.com/office/2006/metadata/properties" xmlns:xsi="http://www.w3.org/2001/XMLSchema-instance" xmlns:pc="http://schemas.microsoft.com/office/infopath/2007/PartnerControls">
+  <documentManagement/>
+</p:properties>
+</file>
+
+<file path=customXml/item3.xml><?xml version="1.0" encoding="utf-8"?>
+<?mso-contentType ?>
+<FormTemplates xmlns="http://schemas.microsoft.com/sharepoint/v3/contenttype/forms">
+  <Display>DocumentLibraryForm</Display>
+  <Edit>DocumentLibraryForm</Edit>
+  <New>DocumentLibraryForm</New>
+</FormTemplates>
+</file>
+
 <file path=customXml/itemProps1.xml><?xml version="1.0" encoding="utf-8"?>
+<ds:datastoreItem xmlns:ds="http://schemas.openxmlformats.org/officeDocument/2006/customXml" ds:itemID="{E8DB7DEB-074E-4EE8-9B6E-FD277323109C}">
+  <ds:schemaRefs>
+    <ds:schemaRef ds:uri="http://schemas.microsoft.com/office/2006/metadata/contentType"/>
+    <ds:schemaRef ds:uri="http://schemas.microsoft.com/office/2006/metadata/properties/metaAttributes"/>
+    <ds:schemaRef ds:uri="http://www.w3.org/2001/XMLSchema"/>
+    <ds:schemaRef ds:uri="http://schemas.microsoft.com/office/2006/metadata/properties"/>
+    <ds:schemaRef ds:uri="http://schemas.openxmlformats.org/package/2006/metadata/core-properties"/>
+    <ds:schemaRef ds:uri="http://purl.org/dc/elements/1.1/"/>
+    <ds:schemaRef ds:uri="http://purl.org/dc/terms/"/>
+    <ds:schemaRef ds:uri="http://schemas.microsoft.com/office/internal/2005/internalDocumentation"/>
+  </ds:schemaRefs>
+</ds:datastoreItem>
+</file>
+
+<file path=customXml/itemProps2.xml><?xml version="1.0" encoding="utf-8"?>
 <ds:datastoreItem xmlns:ds="http://schemas.openxmlformats.org/officeDocument/2006/customXml" ds:itemID="{A50EC660-24D0-43A0-AE5E-E274115E726B}">
   <ds:schemaRefs>
     <ds:schemaRef ds:uri="http://purl.org/dc/elements/1.1/"/>
@@ -50230,25 +50245,10 @@
 </ds:datastoreItem>
 </file>
 
-<file path=customXml/itemProps2.xml><?xml version="1.0" encoding="utf-8"?>
+<file path=customXml/itemProps3.xml><?xml version="1.0" encoding="utf-8"?>
 <ds:datastoreItem xmlns:ds="http://schemas.openxmlformats.org/officeDocument/2006/customXml" ds:itemID="{19E20559-B232-4371-8690-E3D8007EDB82}">
   <ds:schemaRefs>
     <ds:schemaRef ds:uri="http://schemas.microsoft.com/sharepoint/v3/contenttype/forms"/>
   </ds:schemaRefs>
 </ds:datastoreItem>
-</file>
-
-<file path=customXml/itemProps3.xml><?xml version="1.0" encoding="utf-8"?>
-<ds:datastoreItem xmlns:ds="http://schemas.openxmlformats.org/officeDocument/2006/customXml" ds:itemID="{E8DB7DEB-074E-4EE8-9B6E-FD277323109C}">
-  <ds:schemaRefs>
-    <ds:schemaRef ds:uri="http://schemas.microsoft.com/office/2006/metadata/contentType"/>
-    <ds:schemaRef ds:uri="http://schemas.microsoft.com/office/2006/metadata/properties/metaAttributes"/>
-    <ds:schemaRef ds:uri="http://www.w3.org/2001/XMLSchema"/>
-    <ds:schemaRef ds:uri="http://schemas.microsoft.com/office/2006/metadata/properties"/>
-    <ds:schemaRef ds:uri="http://schemas.openxmlformats.org/package/2006/metadata/core-properties"/>
-    <ds:schemaRef ds:uri="http://purl.org/dc/elements/1.1/"/>
-    <ds:schemaRef ds:uri="http://purl.org/dc/terms/"/>
-    <ds:schemaRef ds:uri="http://schemas.microsoft.com/office/internal/2005/internalDocumentation"/>
-  </ds:schemaRefs>
-</ds:datastoreItem>
 </file>
--- a/packaging.pptx
+++ b/packaging.pptx
@@ -12,7 +12,7 @@
   </p:handoutMasterIdLst>
   <p:sldIdLst>
     <p:sldId id="256" r:id="rId5"/>
-    <p:sldId id="709" r:id="rId6"/>
+    <p:sldId id="320" r:id="rId6"/>
     <p:sldId id="653" r:id="rId7"/>
     <p:sldId id="660" r:id="rId8"/>
     <p:sldId id="661" r:id="rId9"/>
@@ -322,7 +322,7 @@
           <a:p>
             <a:fld id="{0B842F42-2CE9-4E35-95C1-410DC08A50B1}" type="datetimeFigureOut">
               <a:rPr lang="en-US" smtClean="0"/>
-              <a:t>9/25/23</a:t>
+              <a:t>10/27/2023</a:t>
             </a:fld>
             <a:endParaRPr lang="en-US"/>
           </a:p>
@@ -487,7 +487,7 @@
           <a:p>
             <a:fld id="{6F282904-F315-4730-8D91-37D99E141A6F}" type="datetimeFigureOut">
               <a:rPr lang="en-US" smtClean="0"/>
-              <a:t>9/25/23</a:t>
+              <a:t>10/27/2023</a:t>
             </a:fld>
             <a:endParaRPr lang="en-US"/>
           </a:p>
@@ -6544,8 +6544,24 @@
               </a:spcBef>
             </a:pPr>
             <a:r>
+              <a:rPr lang="en-US" sz="2000" b="0" i="0" dirty="0">
+                <a:solidFill>
+                  <a:srgbClr val="111111"/>
+                </a:solidFill>
+                <a:effectLst/>
+                <a:latin typeface="+mn-lt"/>
+              </a:rPr>
+              <a:t>Better Software for Reproducible Science tutorial</a:t>
+            </a:r>
+            <a:r>
+              <a:rPr lang="en-US" sz="2000" dirty="0">
+                <a:latin typeface="+mn-lt"/>
+              </a:rPr>
+              <a:t> </a:t>
+            </a:r>
+            <a:r>
               <a:rPr lang="en-US" sz="2000" dirty="0"/>
-              <a:t>Better Scientific Software tutorial @ ORNL OSDX</a:t>
+              <a:t>@ SC23</a:t>
             </a:r>
           </a:p>
           <a:p>
@@ -17213,9 +17229,9 @@
                   <a:srgbClr val="111111"/>
                 </a:solidFill>
                 <a:effectLst/>
-                <a:latin typeface="+mj-lt"/>
-              </a:rPr>
-              <a:t>David E. Bernholdt, Anshu Dubey, and Patricia A. Grubel, Better Scientific Software tutorial, in NOAA Global Systems Laboratory, Boulder, Colorado, 2023. DOI: </a:t>
+                <a:latin typeface="+mn-lt"/>
+              </a:rPr>
+              <a:t>David E. Bernholdt, Patricia A. Grubel, David M. Rogers, and Gregory R. Watson, Better Software for Reproducible Science tutorial, in The International Conference for High-Performance Computing, Networking, Storage, and Analysis (SC23), Denver, Colorado, 2023. DOI: </a:t>
             </a:r>
             <a:r>
               <a:rPr lang="en-US" sz="1600" b="0" i="0" u="none" strike="noStrike" dirty="0">
@@ -17223,10 +17239,10 @@
                   <a:srgbClr val="2A7AE2"/>
                 </a:solidFill>
                 <a:effectLst/>
-                <a:latin typeface="+mj-lt"/>
+                <a:latin typeface="+mn-lt"/>
                 <a:hlinkClick r:id="rId4"/>
               </a:rPr>
-              <a:t>10.6084/m9.figshare.23796606</a:t>
+              <a:t>10.6084/m9.figshare.24226105</a:t>
             </a:r>
             <a:r>
               <a:rPr lang="en-US" sz="1600" b="0" i="0" dirty="0">
@@ -17234,7 +17250,7 @@
                   <a:srgbClr val="111111"/>
                 </a:solidFill>
                 <a:effectLst/>
-                <a:latin typeface="+mj-lt"/>
+                <a:latin typeface="+mn-lt"/>
               </a:rPr>
               <a:t>.</a:t>
             </a:r>
@@ -17407,7 +17423,7 @@
     </p:spTree>
     <p:extLst>
       <p:ext uri="{BB962C8B-B14F-4D97-AF65-F5344CB8AC3E}">
-        <p14:creationId xmlns:p14="http://schemas.microsoft.com/office/powerpoint/2010/main" val="3501738657"/>
+        <p14:creationId xmlns:p14="http://schemas.microsoft.com/office/powerpoint/2010/main" val="978726433"/>
       </p:ext>
     </p:extLst>
   </p:cSld>
@@ -50152,6 +50168,15 @@
 </file>
 
 <file path=customXml/item1.xml><?xml version="1.0" encoding="utf-8"?>
+<?mso-contentType ?>
+<FormTemplates xmlns="http://schemas.microsoft.com/sharepoint/v3/contenttype/forms">
+  <Display>DocumentLibraryForm</Display>
+  <Edit>DocumentLibraryForm</Edit>
+  <New>DocumentLibraryForm</New>
+</FormTemplates>
+</file>
+
+<file path=customXml/item2.xml><?xml version="1.0" encoding="utf-8"?>
 <ct:contentTypeSchema xmlns:ct="http://schemas.microsoft.com/office/2006/metadata/contentType" xmlns:ma="http://schemas.microsoft.com/office/2006/metadata/properties/metaAttributes" ct:_="" ma:_="" ma:contentTypeName="Document" ma:contentTypeID="0x010100565464437F680748A68B85EB6594EA7D" ma:contentTypeVersion="0" ma:contentTypeDescription="Create a new document." ma:contentTypeScope="" ma:versionID="fe3f4dd58d5914c51cfc6deaa8ad845c">
   <xsd:schema xmlns:xsd="http://www.w3.org/2001/XMLSchema" xmlns:p="http://schemas.microsoft.com/office/2006/metadata/properties" targetNamespace="http://schemas.microsoft.com/office/2006/metadata/properties" ma:root="true" ma:fieldsID="4aeb20c0e3442673af7ee10786458764">
     <xsd:element name="properties">
@@ -50200,22 +50225,21 @@
 </ct:contentTypeSchema>
 </file>
 
-<file path=customXml/item2.xml><?xml version="1.0" encoding="utf-8"?>
+<file path=customXml/item3.xml><?xml version="1.0" encoding="utf-8"?>
 <p:properties xmlns:p="http://schemas.microsoft.com/office/2006/metadata/properties" xmlns:xsi="http://www.w3.org/2001/XMLSchema-instance" xmlns:pc="http://schemas.microsoft.com/office/infopath/2007/PartnerControls">
   <documentManagement/>
 </p:properties>
 </file>
 
-<file path=customXml/item3.xml><?xml version="1.0" encoding="utf-8"?>
-<?mso-contentType ?>
-<FormTemplates xmlns="http://schemas.microsoft.com/sharepoint/v3/contenttype/forms">
-  <Display>DocumentLibraryForm</Display>
-  <Edit>DocumentLibraryForm</Edit>
-  <New>DocumentLibraryForm</New>
-</FormTemplates>
+<file path=customXml/itemProps1.xml><?xml version="1.0" encoding="utf-8"?>
+<ds:datastoreItem xmlns:ds="http://schemas.openxmlformats.org/officeDocument/2006/customXml" ds:itemID="{19E20559-B232-4371-8690-E3D8007EDB82}">
+  <ds:schemaRefs>
+    <ds:schemaRef ds:uri="http://schemas.microsoft.com/sharepoint/v3/contenttype/forms"/>
+  </ds:schemaRefs>
+</ds:datastoreItem>
 </file>
 
-<file path=customXml/itemProps1.xml><?xml version="1.0" encoding="utf-8"?>
+<file path=customXml/itemProps2.xml><?xml version="1.0" encoding="utf-8"?>
 <ds:datastoreItem xmlns:ds="http://schemas.openxmlformats.org/officeDocument/2006/customXml" ds:itemID="{E8DB7DEB-074E-4EE8-9B6E-FD277323109C}">
   <ds:schemaRefs>
     <ds:schemaRef ds:uri="http://schemas.microsoft.com/office/2006/metadata/contentType"/>
@@ -50230,7 +50254,7 @@
 </ds:datastoreItem>
 </file>
 
-<file path=customXml/itemProps2.xml><?xml version="1.0" encoding="utf-8"?>
+<file path=customXml/itemProps3.xml><?xml version="1.0" encoding="utf-8"?>
 <ds:datastoreItem xmlns:ds="http://schemas.openxmlformats.org/officeDocument/2006/customXml" ds:itemID="{A50EC660-24D0-43A0-AE5E-E274115E726B}">
   <ds:schemaRefs>
     <ds:schemaRef ds:uri="http://purl.org/dc/elements/1.1/"/>
@@ -50243,12 +50267,4 @@
     <ds:schemaRef ds:uri="http://schemas.microsoft.com/office/infopath/2007/PartnerControls"/>
   </ds:schemaRefs>
 </ds:datastoreItem>
-</file>
-
-<file path=customXml/itemProps3.xml><?xml version="1.0" encoding="utf-8"?>
-<ds:datastoreItem xmlns:ds="http://schemas.openxmlformats.org/officeDocument/2006/customXml" ds:itemID="{19E20559-B232-4371-8690-E3D8007EDB82}">
-  <ds:schemaRefs>
-    <ds:schemaRef ds:uri="http://schemas.microsoft.com/sharepoint/v3/contenttype/forms"/>
-  </ds:schemaRefs>
-</ds:datastoreItem>
 </file>
--- a/packaging.pptx
+++ b/packaging.pptx
@@ -322,7 +322,7 @@
           <a:p>
             <a:fld id="{0B842F42-2CE9-4E35-95C1-410DC08A50B1}" type="datetimeFigureOut">
               <a:rPr lang="en-US" smtClean="0"/>
-              <a:t>10/27/2023</a:t>
+              <a:t>11/11/2023</a:t>
             </a:fld>
             <a:endParaRPr lang="en-US"/>
           </a:p>
@@ -487,7 +487,7 @@
           <a:p>
             <a:fld id="{6F282904-F315-4730-8D91-37D99E141A6F}" type="datetimeFigureOut">
               <a:rPr lang="en-US" smtClean="0"/>
-              <a:t>10/27/2023</a:t>
+              <a:t>11/11/2023</a:t>
             </a:fld>
             <a:endParaRPr lang="en-US"/>
           </a:p>
@@ -27308,27 +27308,39 @@
           <a:lstStyle/>
           <a:p>
             <a:r>
-              <a:rPr lang="en-US" sz="1200" dirty="0"/>
+              <a:rPr lang="en-US" sz="1200" dirty="0">
+                <a:hlinkClick r:id="rId2"/>
+              </a:rPr>
               <a:t>https://</a:t>
             </a:r>
             <a:r>
-              <a:rPr lang="en-US" sz="1200" dirty="0" err="1"/>
+              <a:rPr lang="en-US" sz="1200" dirty="0" err="1">
+                <a:hlinkClick r:id="rId2"/>
+              </a:rPr>
               <a:t>spack.readthedocs.io</a:t>
             </a:r>
             <a:r>
-              <a:rPr lang="en-US" sz="1200" dirty="0"/>
+              <a:rPr lang="en-US" sz="1200" dirty="0">
+                <a:hlinkClick r:id="rId2"/>
+              </a:rPr>
               <a:t>/</a:t>
             </a:r>
             <a:r>
-              <a:rPr lang="en-US" sz="1200" dirty="0" err="1"/>
+              <a:rPr lang="en-US" sz="1200" dirty="0" err="1">
+                <a:hlinkClick r:id="rId2"/>
+              </a:rPr>
               <a:t>en</a:t>
             </a:r>
             <a:r>
-              <a:rPr lang="en-US" sz="1200" dirty="0"/>
+              <a:rPr lang="en-US" sz="1200" dirty="0">
+                <a:hlinkClick r:id="rId2"/>
+              </a:rPr>
               <a:t>/latest/</a:t>
             </a:r>
             <a:r>
-              <a:rPr lang="en-US" sz="1200" dirty="0" err="1"/>
+              <a:rPr lang="en-US" sz="1200" dirty="0" err="1">
+                <a:hlinkClick r:id="rId2"/>
+              </a:rPr>
               <a:t>packaging_guide.html#dependency-specs</a:t>
             </a:r>
             <a:endParaRPr lang="en-US" sz="1200" dirty="0"/>
@@ -27350,7 +27362,7 @@
           <p:nvPr/>
         </p:nvPicPr>
         <p:blipFill>
-          <a:blip r:embed="rId2">
+          <a:blip r:embed="rId3">
             <a:extLst>
               <a:ext uri="{28A0092B-C50C-407E-A947-70E740481C1C}">
                 <a14:useLocalDpi xmlns:a14="http://schemas.microsoft.com/office/drawing/2010/main" val="0"/>
@@ -27399,51 +27411,75 @@
           <a:lstStyle/>
           <a:p>
             <a:r>
-              <a:rPr lang="en-US" sz="1200" dirty="0"/>
+              <a:rPr lang="en-US" sz="1200" dirty="0">
+                <a:hlinkClick r:id="rId4"/>
+              </a:rPr>
               <a:t>https://</a:t>
             </a:r>
             <a:r>
-              <a:rPr lang="en-US" sz="1200" dirty="0" err="1"/>
+              <a:rPr lang="en-US" sz="1200" dirty="0" err="1">
+                <a:hlinkClick r:id="rId4"/>
+              </a:rPr>
               <a:t>github.com</a:t>
             </a:r>
             <a:r>
-              <a:rPr lang="en-US" sz="1200" dirty="0"/>
+              <a:rPr lang="en-US" sz="1200" dirty="0">
+                <a:hlinkClick r:id="rId4"/>
+              </a:rPr>
               <a:t>/</a:t>
             </a:r>
             <a:r>
-              <a:rPr lang="en-US" sz="1200" dirty="0" err="1"/>
+              <a:rPr lang="en-US" sz="1200" dirty="0" err="1">
+                <a:hlinkClick r:id="rId4"/>
+              </a:rPr>
               <a:t>mpbelhorn</a:t>
             </a:r>
             <a:r>
-              <a:rPr lang="en-US" sz="1200" dirty="0"/>
+              <a:rPr lang="en-US" sz="1200" dirty="0">
+                <a:hlinkClick r:id="rId4"/>
+              </a:rPr>
               <a:t>/</a:t>
             </a:r>
             <a:r>
-              <a:rPr lang="en-US" sz="1200" dirty="0" err="1"/>
+              <a:rPr lang="en-US" sz="1200" dirty="0" err="1">
+                <a:hlinkClick r:id="rId4"/>
+              </a:rPr>
               <a:t>olcf</a:t>
             </a:r>
             <a:r>
-              <a:rPr lang="en-US" sz="1200" dirty="0"/>
+              <a:rPr lang="en-US" sz="1200" dirty="0">
+                <a:hlinkClick r:id="rId4"/>
+              </a:rPr>
               <a:t>-</a:t>
             </a:r>
             <a:r>
-              <a:rPr lang="en-US" sz="1200" dirty="0" err="1"/>
+              <a:rPr lang="en-US" sz="1200" dirty="0" err="1">
+                <a:hlinkClick r:id="rId4"/>
+              </a:rPr>
               <a:t>spack</a:t>
             </a:r>
             <a:r>
-              <a:rPr lang="en-US" sz="1200" dirty="0"/>
+              <a:rPr lang="en-US" sz="1200" dirty="0">
+                <a:hlinkClick r:id="rId4"/>
+              </a:rPr>
               <a:t>-environments/blob/develop/hosts/frontier/</a:t>
             </a:r>
             <a:r>
-              <a:rPr lang="en-US" sz="1200" dirty="0" err="1"/>
+              <a:rPr lang="en-US" sz="1200" dirty="0" err="1">
+                <a:hlinkClick r:id="rId4"/>
+              </a:rPr>
               <a:t>envs</a:t>
             </a:r>
             <a:r>
-              <a:rPr lang="en-US" sz="1200" dirty="0"/>
+              <a:rPr lang="en-US" sz="1200" dirty="0">
+                <a:hlinkClick r:id="rId4"/>
+              </a:rPr>
               <a:t>/base/</a:t>
             </a:r>
             <a:r>
-              <a:rPr lang="en-US" sz="1200" dirty="0" err="1"/>
+              <a:rPr lang="en-US" sz="1200" dirty="0" err="1">
+                <a:hlinkClick r:id="rId4"/>
+              </a:rPr>
               <a:t>spack.yaml</a:t>
             </a:r>
             <a:endParaRPr lang="en-US" sz="1200" dirty="0"/>
@@ -31419,55 +31455,48 @@
           <a:lstStyle/>
           <a:p>
             <a:r>
-              <a:rPr lang="en-US" sz="1200" dirty="0"/>
+              <a:rPr lang="en-US" sz="1200" dirty="0">
+                <a:hlinkClick r:id="rId2"/>
+              </a:rPr>
               <a:t>https://</a:t>
             </a:r>
             <a:r>
-              <a:rPr lang="en-US" sz="1200" dirty="0" err="1"/>
+              <a:rPr lang="en-US" sz="1200" dirty="0" err="1">
+                <a:hlinkClick r:id="rId2"/>
+              </a:rPr>
               <a:t>fastapi.tiangolo.com</a:t>
             </a:r>
             <a:r>
-              <a:rPr lang="en-US" sz="1200" dirty="0"/>
+              <a:rPr lang="en-US" sz="1200" dirty="0">
+                <a:hlinkClick r:id="rId2"/>
+              </a:rPr>
               <a:t>/deployment/docker/#build-a-docker-image-for-</a:t>
             </a:r>
             <a:r>
-              <a:rPr lang="en-US" sz="1200" dirty="0" err="1"/>
+              <a:rPr lang="en-US" sz="1200" dirty="0" err="1">
+                <a:hlinkClick r:id="rId2"/>
+              </a:rPr>
               <a:t>fastapi</a:t>
             </a:r>
             <a:endParaRPr lang="en-US" sz="1200" dirty="0"/>
           </a:p>
           <a:p>
             <a:r>
-              <a:rPr lang="en-US" sz="1200" dirty="0"/>
-              <a:t>https://</a:t>
-            </a:r>
-            <a:r>
-              <a:rPr lang="en-US" sz="1200" dirty="0" err="1"/>
-              <a:t>supercontainers.github.io</a:t>
-            </a:r>
-            <a:r>
-              <a:rPr lang="en-US" sz="1200" dirty="0"/>
-              <a:t>/sc20-tutorial/02.docker/</a:t>
-            </a:r>
-            <a:r>
-              <a:rPr lang="en-US" sz="1200" dirty="0" err="1"/>
-              <a:t>index.html</a:t>
+              <a:rPr lang="en-US" sz="1200" dirty="0">
+                <a:hlinkClick r:id="rId3"/>
+              </a:rPr>
+              <a:t>https://supercontainers.github.io/sc20-tutorial/02.docker/index.html</a:t>
             </a:r>
             <a:endParaRPr lang="en-US" sz="1200" dirty="0"/>
           </a:p>
           <a:p>
             <a:r>
-              <a:rPr lang="en-US" sz="1200" dirty="0"/>
-              <a:t>https://</a:t>
-            </a:r>
-            <a:r>
-              <a:rPr lang="en-US" sz="1200" dirty="0" err="1"/>
-              <a:t>cloud.sylabs.io</a:t>
-            </a:r>
-            <a:r>
-              <a:rPr lang="en-US" sz="1200" dirty="0"/>
-              <a:t>/builder</a:t>
-            </a:r>
+              <a:rPr lang="en-US" sz="1200" dirty="0">
+                <a:hlinkClick r:id="rId4"/>
+              </a:rPr>
+              <a:t>https://cloud.sylabs.io/builder</a:t>
+            </a:r>
+            <a:endParaRPr lang="en-US" sz="1200" dirty="0"/>
           </a:p>
         </p:txBody>
       </p:sp>
@@ -32977,7 +33006,7 @@
           <a:p>
             <a:r>
               <a:rPr lang="en-US" dirty="0"/>
-              <a:t>New article on CI team practices:</a:t>
+              <a:t>Blog article on CI team practices:</a:t>
             </a:r>
           </a:p>
           <a:p>
@@ -32986,25 +33015,36 @@
           <a:p>
             <a:pPr lvl="1"/>
             <a:r>
-              <a:rPr lang="en-US" sz="1400" dirty="0"/>
+              <a:rPr lang="en-US" sz="1400" dirty="0">
+                <a:hlinkClick r:id="rId2"/>
+              </a:rPr>
               <a:t>https://</a:t>
             </a:r>
             <a:r>
-              <a:rPr lang="en-US" sz="1400" dirty="0" err="1"/>
+              <a:rPr lang="en-US" sz="1400" dirty="0" err="1">
+                <a:hlinkClick r:id="rId2"/>
+              </a:rPr>
               <a:t>bssw.io</a:t>
             </a:r>
             <a:r>
-              <a:rPr lang="en-US" sz="1400" dirty="0"/>
+              <a:rPr lang="en-US" sz="1400" dirty="0">
+                <a:hlinkClick r:id="rId2"/>
+              </a:rPr>
               <a:t>/</a:t>
             </a:r>
             <a:r>
-              <a:rPr lang="en-US" sz="1400" dirty="0" err="1"/>
+              <a:rPr lang="en-US" sz="1400" dirty="0" err="1">
+                <a:hlinkClick r:id="rId2"/>
+              </a:rPr>
               <a:t>blog_posts</a:t>
             </a:r>
             <a:r>
-              <a:rPr lang="en-US" sz="1400" dirty="0"/>
+              <a:rPr lang="en-US" sz="1400" dirty="0">
+                <a:hlinkClick r:id="rId2"/>
+              </a:rPr>
               <a:t>/bright-spots-team-experiences-implementing-continuous-integration</a:t>
             </a:r>
+            <a:endParaRPr lang="en-US" sz="1400" dirty="0"/>
           </a:p>
         </p:txBody>
       </p:sp>
@@ -33265,27 +33305,39 @@
           <a:lstStyle/>
           <a:p>
             <a:r>
-              <a:rPr lang="en-US" dirty="0"/>
+              <a:rPr lang="en-US" dirty="0">
+                <a:hlinkClick r:id="rId2"/>
+              </a:rPr>
               <a:t>https://</a:t>
             </a:r>
             <a:r>
-              <a:rPr lang="en-US" dirty="0" err="1"/>
+              <a:rPr lang="en-US" dirty="0" err="1">
+                <a:hlinkClick r:id="rId2"/>
+              </a:rPr>
               <a:t>spack.readthedocs.io</a:t>
             </a:r>
             <a:r>
-              <a:rPr lang="en-US" dirty="0"/>
+              <a:rPr lang="en-US" dirty="0">
+                <a:hlinkClick r:id="rId2"/>
+              </a:rPr>
               <a:t>/</a:t>
             </a:r>
             <a:r>
-              <a:rPr lang="en-US" dirty="0" err="1"/>
+              <a:rPr lang="en-US" dirty="0" err="1">
+                <a:hlinkClick r:id="rId2"/>
+              </a:rPr>
               <a:t>en</a:t>
             </a:r>
             <a:r>
-              <a:rPr lang="en-US" dirty="0"/>
+              <a:rPr lang="en-US" dirty="0">
+                <a:hlinkClick r:id="rId2"/>
+              </a:rPr>
               <a:t>/latest/</a:t>
             </a:r>
             <a:r>
-              <a:rPr lang="en-US" dirty="0" err="1"/>
+              <a:rPr lang="en-US" dirty="0" err="1">
+                <a:hlinkClick r:id="rId2"/>
+              </a:rPr>
               <a:t>packaging_guide.html#dependency-specs</a:t>
             </a:r>
             <a:endParaRPr lang="en-US" dirty="0"/>
@@ -39215,7 +39267,7 @@
         </p:nvSpPr>
         <p:spPr>
           <a:xfrm>
-            <a:off x="5689601" y="152827"/>
+            <a:off x="6357817" y="152827"/>
             <a:ext cx="5537200" cy="609173"/>
           </a:xfrm>
         </p:spPr>
@@ -39223,26 +39275,40 @@
           <a:bodyPr/>
           <a:lstStyle/>
           <a:p>
-            <a:r>
-              <a:rPr lang="en-US" dirty="0"/>
+            <a:pPr marL="0" indent="0">
+              <a:buNone/>
+            </a:pPr>
+            <a:r>
+              <a:rPr lang="en-US" dirty="0">
+                <a:hlinkClick r:id="rId2"/>
+              </a:rPr>
               <a:t>https://</a:t>
             </a:r>
             <a:r>
-              <a:rPr lang="en-US" dirty="0" err="1"/>
+              <a:rPr lang="en-US" dirty="0" err="1">
+                <a:hlinkClick r:id="rId2"/>
+              </a:rPr>
               <a:t>github.com</a:t>
             </a:r>
             <a:r>
-              <a:rPr lang="en-US" dirty="0"/>
+              <a:rPr lang="en-US" dirty="0">
+                <a:hlinkClick r:id="rId2"/>
+              </a:rPr>
               <a:t>/ECP-</a:t>
             </a:r>
             <a:r>
-              <a:rPr lang="en-US" dirty="0" err="1"/>
+              <a:rPr lang="en-US" dirty="0" err="1">
+                <a:hlinkClick r:id="rId2"/>
+              </a:rPr>
               <a:t>copa</a:t>
             </a:r>
             <a:r>
-              <a:rPr lang="en-US" dirty="0"/>
+              <a:rPr lang="en-US" dirty="0">
+                <a:hlinkClick r:id="rId2"/>
+              </a:rPr>
               <a:t>/Cabana</a:t>
             </a:r>
+            <a:endParaRPr lang="en-US" dirty="0"/>
           </a:p>
         </p:txBody>
       </p:sp>
@@ -40890,10 +40956,244 @@
       </p:sp>
       <p:sp>
         <p:nvSpPr>
-          <p:cNvPr id="5" name="Content Placeholder 4">
+          <p:cNvPr id="3" name="Content Placeholder 4">
             <a:extLst>
               <a:ext uri="{FF2B5EF4-FFF2-40B4-BE49-F238E27FC236}">
-                <a16:creationId xmlns:a16="http://schemas.microsoft.com/office/drawing/2014/main" id="{3848EB5C-C75A-9B40-B7DE-EF0BD73550EB}"/>
+                <a16:creationId xmlns:a16="http://schemas.microsoft.com/office/drawing/2014/main" id="{E9AE5516-5FD8-CCB1-5E24-85E2D4156F80}"/>
+              </a:ext>
+            </a:extLst>
+          </p:cNvPr>
+          <p:cNvSpPr txBox="1">
+            <a:spLocks/>
+          </p:cNvSpPr>
+          <p:nvPr/>
+        </p:nvSpPr>
+        <p:spPr bwMode="auto">
+          <a:xfrm>
+            <a:off x="6357817" y="152827"/>
+            <a:ext cx="5537200" cy="609173"/>
+          </a:xfrm>
+          <a:prstGeom prst="rect">
+            <a:avLst/>
+          </a:prstGeom>
+          <a:noFill/>
+          <a:ln w="9525">
+            <a:noFill/>
+            <a:miter lim="800000"/>
+            <a:headEnd/>
+            <a:tailEnd/>
+          </a:ln>
+        </p:spPr>
+        <p:txBody>
+          <a:bodyPr vert="horz" wrap="square" lIns="91440" tIns="45720" rIns="91440" bIns="45720" numCol="1" anchor="t" anchorCtr="0" compatLnSpc="1">
+            <a:prstTxWarp prst="textNoShape">
+              <a:avLst/>
+            </a:prstTxWarp>
+            <a:noAutofit/>
+          </a:bodyPr>
+          <a:lstStyle>
+            <a:lvl1pPr marL="230188" indent="-230188" algn="l" rtl="0" eaLnBrk="1" fontAlgn="base" hangingPunct="1">
+              <a:lnSpc>
+                <a:spcPct val="90000"/>
+              </a:lnSpc>
+              <a:spcBef>
+                <a:spcPts val="1400"/>
+              </a:spcBef>
+              <a:spcAft>
+                <a:spcPct val="0"/>
+              </a:spcAft>
+              <a:buClr>
+                <a:schemeClr val="tx1"/>
+              </a:buClr>
+              <a:buFont typeface="Arial" charset="0"/>
+              <a:buChar char="•"/>
+              <a:defRPr sz="2400" kern="1200">
+                <a:solidFill>
+                  <a:schemeClr val="tx1"/>
+                </a:solidFill>
+                <a:latin typeface="Arial" panose="020B0604020202020204" pitchFamily="34" charset="0"/>
+                <a:ea typeface="+mn-ea"/>
+                <a:cs typeface="Arial" panose="020B0604020202020204" pitchFamily="34" charset="0"/>
+              </a:defRPr>
+            </a:lvl1pPr>
+            <a:lvl2pPr marL="625475" indent="-279400" algn="l" rtl="0" eaLnBrk="1" fontAlgn="base" hangingPunct="1">
+              <a:lnSpc>
+                <a:spcPct val="90000"/>
+              </a:lnSpc>
+              <a:spcBef>
+                <a:spcPts val="800"/>
+              </a:spcBef>
+              <a:spcAft>
+                <a:spcPct val="0"/>
+              </a:spcAft>
+              <a:buClr>
+                <a:schemeClr val="tx1"/>
+              </a:buClr>
+              <a:buFont typeface="Arial" charset="0"/>
+              <a:buChar char="–"/>
+              <a:defRPr sz="2000" kern="1200">
+                <a:solidFill>
+                  <a:schemeClr val="tx1"/>
+                </a:solidFill>
+                <a:latin typeface="Arial" panose="020B0604020202020204" pitchFamily="34" charset="0"/>
+                <a:ea typeface="+mn-ea"/>
+                <a:cs typeface="Arial" panose="020B0604020202020204" pitchFamily="34" charset="0"/>
+              </a:defRPr>
+            </a:lvl2pPr>
+            <a:lvl3pPr marL="914400" indent="-230188" algn="l" rtl="0" eaLnBrk="1" fontAlgn="base" hangingPunct="1">
+              <a:lnSpc>
+                <a:spcPct val="90000"/>
+              </a:lnSpc>
+              <a:spcBef>
+                <a:spcPts val="800"/>
+              </a:spcBef>
+              <a:spcAft>
+                <a:spcPct val="0"/>
+              </a:spcAft>
+              <a:buClr>
+                <a:schemeClr val="tx1"/>
+              </a:buClr>
+              <a:buFont typeface="Arial" charset="0"/>
+              <a:buChar char="•"/>
+              <a:defRPr sz="1800" kern="1200">
+                <a:solidFill>
+                  <a:schemeClr val="tx1"/>
+                </a:solidFill>
+                <a:latin typeface="Arial" panose="020B0604020202020204" pitchFamily="34" charset="0"/>
+                <a:ea typeface="+mn-ea"/>
+                <a:cs typeface="Arial" panose="020B0604020202020204" pitchFamily="34" charset="0"/>
+              </a:defRPr>
+            </a:lvl3pPr>
+            <a:lvl4pPr marL="1144588" indent="-173038" algn="l" rtl="0" eaLnBrk="1" fontAlgn="base" hangingPunct="1">
+              <a:lnSpc>
+                <a:spcPct val="90000"/>
+              </a:lnSpc>
+              <a:spcBef>
+                <a:spcPts val="800"/>
+              </a:spcBef>
+              <a:spcAft>
+                <a:spcPct val="0"/>
+              </a:spcAft>
+              <a:buClr>
+                <a:schemeClr val="tx1"/>
+              </a:buClr>
+              <a:buFont typeface="Arial" charset="0"/>
+              <a:buChar char="–"/>
+              <a:defRPr sz="1600" kern="1200">
+                <a:solidFill>
+                  <a:schemeClr val="tx1"/>
+                </a:solidFill>
+                <a:latin typeface="Arial" panose="020B0604020202020204" pitchFamily="34" charset="0"/>
+                <a:ea typeface="+mn-ea"/>
+                <a:cs typeface="Arial" panose="020B0604020202020204" pitchFamily="34" charset="0"/>
+              </a:defRPr>
+            </a:lvl4pPr>
+            <a:lvl5pPr marL="1482725" indent="-222250" algn="l" rtl="0" eaLnBrk="1" fontAlgn="base" hangingPunct="1">
+              <a:lnSpc>
+                <a:spcPct val="90000"/>
+              </a:lnSpc>
+              <a:spcBef>
+                <a:spcPts val="600"/>
+              </a:spcBef>
+              <a:spcAft>
+                <a:spcPct val="0"/>
+              </a:spcAft>
+              <a:buClr>
+                <a:schemeClr val="tx1"/>
+              </a:buClr>
+              <a:buFont typeface="Arial" panose="020B0604020202020204" pitchFamily="34" charset="0"/>
+              <a:buChar char="•"/>
+              <a:defRPr sz="1600" kern="1200">
+                <a:solidFill>
+                  <a:schemeClr val="tx1"/>
+                </a:solidFill>
+                <a:latin typeface="Arial" panose="020B0604020202020204" pitchFamily="34" charset="0"/>
+                <a:ea typeface="+mn-ea"/>
+                <a:cs typeface="Arial" panose="020B0604020202020204" pitchFamily="34" charset="0"/>
+              </a:defRPr>
+            </a:lvl5pPr>
+            <a:lvl6pPr marL="2514600" indent="-228600" algn="l" defTabSz="914400" rtl="0" eaLnBrk="1" latinLnBrk="0" hangingPunct="1">
+              <a:spcBef>
+                <a:spcPct val="20000"/>
+              </a:spcBef>
+              <a:buFont typeface="Arial" pitchFamily="34" charset="0"/>
+              <a:buChar char="•"/>
+              <a:defRPr sz="2000" kern="1200">
+                <a:solidFill>
+                  <a:schemeClr val="tx1"/>
+                </a:solidFill>
+                <a:latin typeface="+mn-lt"/>
+                <a:ea typeface="+mn-ea"/>
+                <a:cs typeface="+mn-cs"/>
+              </a:defRPr>
+            </a:lvl6pPr>
+            <a:lvl7pPr marL="2971800" indent="-228600" algn="l" defTabSz="914400" rtl="0" eaLnBrk="1" latinLnBrk="0" hangingPunct="1">
+              <a:spcBef>
+                <a:spcPct val="20000"/>
+              </a:spcBef>
+              <a:buFont typeface="Arial" pitchFamily="34" charset="0"/>
+              <a:buChar char="•"/>
+              <a:defRPr sz="2000" kern="1200">
+                <a:solidFill>
+                  <a:schemeClr val="tx1"/>
+                </a:solidFill>
+                <a:latin typeface="+mn-lt"/>
+                <a:ea typeface="+mn-ea"/>
+                <a:cs typeface="+mn-cs"/>
+              </a:defRPr>
+            </a:lvl7pPr>
+            <a:lvl8pPr marL="3429000" indent="-228600" algn="l" defTabSz="914400" rtl="0" eaLnBrk="1" latinLnBrk="0" hangingPunct="1">
+              <a:spcBef>
+                <a:spcPct val="20000"/>
+              </a:spcBef>
+              <a:buFont typeface="Arial" pitchFamily="34" charset="0"/>
+              <a:buChar char="•"/>
+              <a:defRPr sz="2000" kern="1200">
+                <a:solidFill>
+                  <a:schemeClr val="tx1"/>
+                </a:solidFill>
+                <a:latin typeface="+mn-lt"/>
+                <a:ea typeface="+mn-ea"/>
+                <a:cs typeface="+mn-cs"/>
+              </a:defRPr>
+            </a:lvl8pPr>
+            <a:lvl9pPr marL="3886200" indent="-228600" algn="l" defTabSz="914400" rtl="0" eaLnBrk="1" latinLnBrk="0" hangingPunct="1">
+              <a:spcBef>
+                <a:spcPct val="20000"/>
+              </a:spcBef>
+              <a:buFont typeface="Arial" pitchFamily="34" charset="0"/>
+              <a:buChar char="•"/>
+              <a:defRPr sz="2000" kern="1200">
+                <a:solidFill>
+                  <a:schemeClr val="tx1"/>
+                </a:solidFill>
+                <a:latin typeface="+mn-lt"/>
+                <a:ea typeface="+mn-ea"/>
+                <a:cs typeface="+mn-cs"/>
+              </a:defRPr>
+            </a:lvl9pPr>
+          </a:lstStyle>
+          <a:p>
+            <a:pPr marL="0" indent="0">
+              <a:buFont typeface="Arial" charset="0"/>
+              <a:buNone/>
+            </a:pPr>
+            <a:r>
+              <a:rPr lang="en-US">
+                <a:hlinkClick r:id="rId2"/>
+              </a:rPr>
+              <a:t>https://github.com/ECP-copa/Cabana</a:t>
+            </a:r>
+            <a:endParaRPr lang="en-US" dirty="0"/>
+          </a:p>
+        </p:txBody>
+      </p:sp>
+      <p:sp>
+        <p:nvSpPr>
+          <p:cNvPr id="6" name="Content Placeholder 5">
+            <a:extLst>
+              <a:ext uri="{FF2B5EF4-FFF2-40B4-BE49-F238E27FC236}">
+                <a16:creationId xmlns:a16="http://schemas.microsoft.com/office/drawing/2014/main" id="{152621B4-C5D8-E2CD-5D01-99B604B20944}"/>
               </a:ext>
             </a:extLst>
           </p:cNvPr>
@@ -40904,36 +41204,12 @@
             <p:ph idx="1"/>
           </p:nvPr>
         </p:nvSpPr>
-        <p:spPr>
-          <a:xfrm>
-            <a:off x="5689601" y="152827"/>
-            <a:ext cx="5537200" cy="609173"/>
-          </a:xfrm>
-        </p:spPr>
+        <p:spPr/>
         <p:txBody>
           <a:bodyPr/>
           <a:lstStyle/>
           <a:p>
-            <a:r>
-              <a:rPr lang="en-US" dirty="0"/>
-              <a:t>https://</a:t>
-            </a:r>
-            <a:r>
-              <a:rPr lang="en-US" dirty="0" err="1"/>
-              <a:t>github.com</a:t>
-            </a:r>
-            <a:r>
-              <a:rPr lang="en-US" dirty="0"/>
-              <a:t>/ECP-</a:t>
-            </a:r>
-            <a:r>
-              <a:rPr lang="en-US" dirty="0" err="1"/>
-              <a:t>copa</a:t>
-            </a:r>
-            <a:r>
-              <a:rPr lang="en-US" dirty="0"/>
-              <a:t>/Cabana</a:t>
-            </a:r>
+            <a:endParaRPr lang="en-US"/>
           </a:p>
         </p:txBody>
       </p:sp>
@@ -41400,17 +41676,7 @@
           <a:p>
             <a:r>
               <a:rPr lang="en-US" dirty="0"/>
-              <a:t>git clone </a:t>
-            </a:r>
-            <a:r>
-              <a:rPr lang="en-US" dirty="0">
-                <a:hlinkClick r:id="rId3"/>
-              </a:rPr>
-              <a:t>https://github.com/spack/spack</a:t>
-            </a:r>
-            <a:r>
-              <a:rPr lang="en-US" dirty="0"/>
-              <a:t>; source </a:t>
+              <a:t>git clone https://github.com/spack/spack; source </a:t>
             </a:r>
             <a:r>
               <a:rPr lang="en-US" dirty="0" err="1"/>
@@ -41452,15 +41718,8 @@
             </a:r>
             <a:r>
               <a:rPr lang="en-US" dirty="0"/>
-              <a:t> create </a:t>
-            </a:r>
-            <a:r>
-              <a:rPr lang="en-US" dirty="0">
-                <a:hlinkClick r:id="rId4"/>
-              </a:rPr>
-              <a:t>https://github.com/qcscine/sparrow/archive/refs/tags/3.0.0.tar.gz</a:t>
-            </a:r>
-            <a:endParaRPr lang="en-US" dirty="0"/>
+              <a:t> create https://github.com/qcscine/sparrow/archive/refs/tags/3.0.0.tar.gz</a:t>
+            </a:r>
           </a:p>
           <a:p>
             <a:pPr lvl="1"/>
@@ -41563,27 +41822,39 @@
           <a:lstStyle/>
           <a:p>
             <a:r>
-              <a:rPr lang="en-US" dirty="0"/>
+              <a:rPr lang="en-US" dirty="0">
+                <a:hlinkClick r:id="rId3"/>
+              </a:rPr>
               <a:t>https://</a:t>
             </a:r>
             <a:r>
-              <a:rPr lang="en-US" dirty="0" err="1"/>
+              <a:rPr lang="en-US" dirty="0" err="1">
+                <a:hlinkClick r:id="rId3"/>
+              </a:rPr>
               <a:t>spack-tutorial.readthedocs.io</a:t>
             </a:r>
             <a:r>
-              <a:rPr lang="en-US" dirty="0"/>
+              <a:rPr lang="en-US" dirty="0">
+                <a:hlinkClick r:id="rId3"/>
+              </a:rPr>
               <a:t>/</a:t>
             </a:r>
             <a:r>
-              <a:rPr lang="en-US" dirty="0" err="1"/>
+              <a:rPr lang="en-US" dirty="0" err="1">
+                <a:hlinkClick r:id="rId3"/>
+              </a:rPr>
               <a:t>en</a:t>
             </a:r>
             <a:r>
-              <a:rPr lang="en-US" dirty="0"/>
+              <a:rPr lang="en-US" dirty="0">
+                <a:hlinkClick r:id="rId3"/>
+              </a:rPr>
               <a:t>/latest/</a:t>
             </a:r>
             <a:r>
-              <a:rPr lang="en-US" dirty="0" err="1"/>
+              <a:rPr lang="en-US" dirty="0" err="1">
+                <a:hlinkClick r:id="rId3"/>
+              </a:rPr>
               <a:t>tutorial_packaging.html</a:t>
             </a:r>
             <a:endParaRPr lang="en-US" dirty="0"/>
@@ -41897,27 +42168,39 @@
           </a:p>
           <a:p>
             <a:r>
-              <a:rPr lang="en-US" dirty="0"/>
+              <a:rPr lang="en-US" dirty="0">
+                <a:hlinkClick r:id="rId2"/>
+              </a:rPr>
               <a:t>https://</a:t>
             </a:r>
             <a:r>
-              <a:rPr lang="en-US" dirty="0" err="1"/>
+              <a:rPr lang="en-US" dirty="0" err="1">
+                <a:hlinkClick r:id="rId2"/>
+              </a:rPr>
               <a:t>spack.readthedocs.io</a:t>
             </a:r>
             <a:r>
-              <a:rPr lang="en-US" dirty="0"/>
+              <a:rPr lang="en-US" dirty="0">
+                <a:hlinkClick r:id="rId2"/>
+              </a:rPr>
               <a:t>/</a:t>
             </a:r>
             <a:r>
-              <a:rPr lang="en-US" dirty="0" err="1"/>
+              <a:rPr lang="en-US" dirty="0" err="1">
+                <a:hlinkClick r:id="rId2"/>
+              </a:rPr>
               <a:t>en</a:t>
             </a:r>
             <a:r>
-              <a:rPr lang="en-US" dirty="0"/>
+              <a:rPr lang="en-US" dirty="0">
+                <a:hlinkClick r:id="rId2"/>
+              </a:rPr>
               <a:t>/latest/</a:t>
             </a:r>
             <a:r>
-              <a:rPr lang="en-US" dirty="0" err="1"/>
+              <a:rPr lang="en-US" dirty="0" err="1">
+                <a:hlinkClick r:id="rId2"/>
+              </a:rPr>
               <a:t>spack.util.html#module-spack.util.prefix</a:t>
             </a:r>
             <a:endParaRPr lang="en-US" dirty="0"/>
@@ -41952,27 +42235,39 @@
           <a:lstStyle/>
           <a:p>
             <a:r>
-              <a:rPr lang="en-US" dirty="0"/>
+              <a:rPr lang="en-US" dirty="0">
+                <a:hlinkClick r:id="rId3"/>
+              </a:rPr>
               <a:t>https://</a:t>
             </a:r>
             <a:r>
-              <a:rPr lang="en-US" dirty="0" err="1"/>
+              <a:rPr lang="en-US" dirty="0" err="1">
+                <a:hlinkClick r:id="rId3"/>
+              </a:rPr>
               <a:t>spack.readthedocs.io</a:t>
             </a:r>
             <a:r>
-              <a:rPr lang="en-US" dirty="0"/>
+              <a:rPr lang="en-US" dirty="0">
+                <a:hlinkClick r:id="rId3"/>
+              </a:rPr>
               <a:t>/</a:t>
             </a:r>
             <a:r>
-              <a:rPr lang="en-US" dirty="0" err="1"/>
+              <a:rPr lang="en-US" dirty="0" err="1">
+                <a:hlinkClick r:id="rId3"/>
+              </a:rPr>
               <a:t>en</a:t>
             </a:r>
             <a:r>
-              <a:rPr lang="en-US" dirty="0"/>
+              <a:rPr lang="en-US" dirty="0">
+                <a:hlinkClick r:id="rId3"/>
+              </a:rPr>
               <a:t>/latest/</a:t>
             </a:r>
             <a:r>
-              <a:rPr lang="en-US" dirty="0" err="1"/>
+              <a:rPr lang="en-US" dirty="0" err="1">
+                <a:hlinkClick r:id="rId3"/>
+              </a:rPr>
               <a:t>packaging_guide.html#accessing-dependencies</a:t>
             </a:r>
             <a:endParaRPr lang="en-US" dirty="0"/>
@@ -50168,6 +50463,12 @@
 </file>
 
 <file path=customXml/item1.xml><?xml version="1.0" encoding="utf-8"?>
+<p:properties xmlns:p="http://schemas.microsoft.com/office/2006/metadata/properties" xmlns:xsi="http://www.w3.org/2001/XMLSchema-instance" xmlns:pc="http://schemas.microsoft.com/office/infopath/2007/PartnerControls">
+  <documentManagement/>
+</p:properties>
+</file>
+
+<file path=customXml/item2.xml><?xml version="1.0" encoding="utf-8"?>
 <?mso-contentType ?>
 <FormTemplates xmlns="http://schemas.microsoft.com/sharepoint/v3/contenttype/forms">
   <Display>DocumentLibraryForm</Display>
@@ -50176,7 +50477,7 @@
 </FormTemplates>
 </file>
 
-<file path=customXml/item2.xml><?xml version="1.0" encoding="utf-8"?>
+<file path=customXml/item3.xml><?xml version="1.0" encoding="utf-8"?>
 <ct:contentTypeSchema xmlns:ct="http://schemas.microsoft.com/office/2006/metadata/contentType" xmlns:ma="http://schemas.microsoft.com/office/2006/metadata/properties/metaAttributes" ct:_="" ma:_="" ma:contentTypeName="Document" ma:contentTypeID="0x010100565464437F680748A68B85EB6594EA7D" ma:contentTypeVersion="0" ma:contentTypeDescription="Create a new document." ma:contentTypeScope="" ma:versionID="fe3f4dd58d5914c51cfc6deaa8ad845c">
   <xsd:schema xmlns:xsd="http://www.w3.org/2001/XMLSchema" xmlns:p="http://schemas.microsoft.com/office/2006/metadata/properties" targetNamespace="http://schemas.microsoft.com/office/2006/metadata/properties" ma:root="true" ma:fieldsID="4aeb20c0e3442673af7ee10786458764">
     <xsd:element name="properties">
@@ -50225,13 +50526,22 @@
 </ct:contentTypeSchema>
 </file>
 
-<file path=customXml/item3.xml><?xml version="1.0" encoding="utf-8"?>
-<p:properties xmlns:p="http://schemas.microsoft.com/office/2006/metadata/properties" xmlns:xsi="http://www.w3.org/2001/XMLSchema-instance" xmlns:pc="http://schemas.microsoft.com/office/infopath/2007/PartnerControls">
-  <documentManagement/>
-</p:properties>
+<file path=customXml/itemProps1.xml><?xml version="1.0" encoding="utf-8"?>
+<ds:datastoreItem xmlns:ds="http://schemas.openxmlformats.org/officeDocument/2006/customXml" ds:itemID="{A50EC660-24D0-43A0-AE5E-E274115E726B}">
+  <ds:schemaRefs>
+    <ds:schemaRef ds:uri="http://purl.org/dc/elements/1.1/"/>
+    <ds:schemaRef ds:uri="http://schemas.microsoft.com/office/2006/metadata/properties"/>
+    <ds:schemaRef ds:uri="http://purl.org/dc/terms/"/>
+    <ds:schemaRef ds:uri="http://schemas.openxmlformats.org/package/2006/metadata/core-properties"/>
+    <ds:schemaRef ds:uri="http://schemas.microsoft.com/office/2006/documentManagement/types"/>
+    <ds:schemaRef ds:uri="http://www.w3.org/XML/1998/namespace"/>
+    <ds:schemaRef ds:uri="http://purl.org/dc/dcmitype/"/>
+    <ds:schemaRef ds:uri="http://schemas.microsoft.com/office/infopath/2007/PartnerControls"/>
+  </ds:schemaRefs>
+</ds:datastoreItem>
 </file>
 
-<file path=customXml/itemProps1.xml><?xml version="1.0" encoding="utf-8"?>
+<file path=customXml/itemProps2.xml><?xml version="1.0" encoding="utf-8"?>
 <ds:datastoreItem xmlns:ds="http://schemas.openxmlformats.org/officeDocument/2006/customXml" ds:itemID="{19E20559-B232-4371-8690-E3D8007EDB82}">
   <ds:schemaRefs>
     <ds:schemaRef ds:uri="http://schemas.microsoft.com/sharepoint/v3/contenttype/forms"/>
@@ -50239,7 +50549,7 @@
 </ds:datastoreItem>
 </file>
 
-<file path=customXml/itemProps2.xml><?xml version="1.0" encoding="utf-8"?>
+<file path=customXml/itemProps3.xml><?xml version="1.0" encoding="utf-8"?>
 <ds:datastoreItem xmlns:ds="http://schemas.openxmlformats.org/officeDocument/2006/customXml" ds:itemID="{E8DB7DEB-074E-4EE8-9B6E-FD277323109C}">
   <ds:schemaRefs>
     <ds:schemaRef ds:uri="http://schemas.microsoft.com/office/2006/metadata/contentType"/>
@@ -50252,19 +50562,4 @@
     <ds:schemaRef ds:uri="http://schemas.microsoft.com/office/internal/2005/internalDocumentation"/>
   </ds:schemaRefs>
 </ds:datastoreItem>
-</file>
-
-<file path=customXml/itemProps3.xml><?xml version="1.0" encoding="utf-8"?>
-<ds:datastoreItem xmlns:ds="http://schemas.openxmlformats.org/officeDocument/2006/customXml" ds:itemID="{A50EC660-24D0-43A0-AE5E-E274115E726B}">
-  <ds:schemaRefs>
-    <ds:schemaRef ds:uri="http://purl.org/dc/elements/1.1/"/>
-    <ds:schemaRef ds:uri="http://schemas.microsoft.com/office/2006/metadata/properties"/>
-    <ds:schemaRef ds:uri="http://purl.org/dc/terms/"/>
-    <ds:schemaRef ds:uri="http://schemas.openxmlformats.org/package/2006/metadata/core-properties"/>
-    <ds:schemaRef ds:uri="http://schemas.microsoft.com/office/2006/documentManagement/types"/>
-    <ds:schemaRef ds:uri="http://www.w3.org/XML/1998/namespace"/>
-    <ds:schemaRef ds:uri="http://purl.org/dc/dcmitype/"/>
-    <ds:schemaRef ds:uri="http://schemas.microsoft.com/office/infopath/2007/PartnerControls"/>
-  </ds:schemaRefs>
-</ds:datastoreItem>
 </file>